--- a/ppt 16-9/0857.献上自己为祭.pptx
+++ b/ppt 16-9/0857.献上自己为祭.pptx
@@ -5,7 +5,7 @@
     <p:sldMasterId id="2147483648" r:id="rId1"/>
   </p:sldMasterIdLst>
   <p:sldIdLst>
-    <p:sldId id="2161" r:id="rId2"/>
+    <p:sldId id="2162" r:id="rId2"/>
   </p:sldIdLst>
   <p:sldSz cx="12192000" cy="6858000"/>
   <p:notesSz cx="6858000" cy="9144000"/>
@@ -129,7 +129,7 @@
           <p:cNvPr id="2" name="标题 1">
             <a:extLst>
               <a:ext uri="{FF2B5EF4-FFF2-40B4-BE49-F238E27FC236}">
-                <a16:creationId xmlns:a16="http://schemas.microsoft.com/office/drawing/2014/main" id="{F8D83C87-2D86-BC14-21D9-1F8967DFA120}"/>
+                <a16:creationId xmlns:a16="http://schemas.microsoft.com/office/drawing/2014/main" id="{FFE1B693-D936-4C5D-E0B2-BA8BC6C9B2E5}"/>
               </a:ext>
             </a:extLst>
           </p:cNvPr>
@@ -166,7 +166,7 @@
           <p:cNvPr id="3" name="副标题 2">
             <a:extLst>
               <a:ext uri="{FF2B5EF4-FFF2-40B4-BE49-F238E27FC236}">
-                <a16:creationId xmlns:a16="http://schemas.microsoft.com/office/drawing/2014/main" id="{B2C3DC33-0AD8-AD16-1434-3DB2E26AEC37}"/>
+                <a16:creationId xmlns:a16="http://schemas.microsoft.com/office/drawing/2014/main" id="{826B27D6-8601-9F41-04BA-670120546B99}"/>
               </a:ext>
             </a:extLst>
           </p:cNvPr>
@@ -236,7 +236,7 @@
           <p:cNvPr id="4" name="日期占位符 3">
             <a:extLst>
               <a:ext uri="{FF2B5EF4-FFF2-40B4-BE49-F238E27FC236}">
-                <a16:creationId xmlns:a16="http://schemas.microsoft.com/office/drawing/2014/main" id="{30E1A340-B44A-B12B-A77F-AD1A0FD45445}"/>
+                <a16:creationId xmlns:a16="http://schemas.microsoft.com/office/drawing/2014/main" id="{A672CD72-0B26-9C9D-B874-91624362B8D0}"/>
               </a:ext>
             </a:extLst>
           </p:cNvPr>
@@ -252,7 +252,7 @@
           <a:bodyPr/>
           <a:lstStyle/>
           <a:p>
-            <a:fld id="{80822C14-ABFF-4175-83E2-BBCDBFE47FD9}" type="datetimeFigureOut">
+            <a:fld id="{34FCC433-E27C-46AC-B0C1-78917BA67FF7}" type="datetimeFigureOut">
               <a:rPr lang="zh-CN" altLang="en-US" smtClean="0"/>
               <a:t>2024/3/10</a:t>
             </a:fld>
@@ -265,7 +265,7 @@
           <p:cNvPr id="5" name="页脚占位符 4">
             <a:extLst>
               <a:ext uri="{FF2B5EF4-FFF2-40B4-BE49-F238E27FC236}">
-                <a16:creationId xmlns:a16="http://schemas.microsoft.com/office/drawing/2014/main" id="{F8282882-4379-3B4E-8872-DCECFCDDDBB0}"/>
+                <a16:creationId xmlns:a16="http://schemas.microsoft.com/office/drawing/2014/main" id="{E16A469C-38C9-0B7A-FD33-A44F2DAE5DEB}"/>
               </a:ext>
             </a:extLst>
           </p:cNvPr>
@@ -290,7 +290,7 @@
           <p:cNvPr id="6" name="灯片编号占位符 5">
             <a:extLst>
               <a:ext uri="{FF2B5EF4-FFF2-40B4-BE49-F238E27FC236}">
-                <a16:creationId xmlns:a16="http://schemas.microsoft.com/office/drawing/2014/main" id="{317EAF2A-4C94-37E0-8761-792142615EDA}"/>
+                <a16:creationId xmlns:a16="http://schemas.microsoft.com/office/drawing/2014/main" id="{1F25CEA4-FE66-4062-CB1A-5AA28B0BDC99}"/>
               </a:ext>
             </a:extLst>
           </p:cNvPr>
@@ -306,7 +306,7 @@
           <a:bodyPr/>
           <a:lstStyle/>
           <a:p>
-            <a:fld id="{24F9AF3C-49C8-4FB8-BCDA-2D6FA7D9D118}" type="slidenum">
+            <a:fld id="{CE4B31F5-EB2E-4BCD-9E9F-27F7A9393A29}" type="slidenum">
               <a:rPr lang="zh-CN" altLang="en-US" smtClean="0"/>
               <a:t>‹#›</a:t>
             </a:fld>
@@ -317,7 +317,7 @@
     </p:spTree>
     <p:extLst>
       <p:ext uri="{BB962C8B-B14F-4D97-AF65-F5344CB8AC3E}">
-        <p14:creationId xmlns:p14="http://schemas.microsoft.com/office/powerpoint/2010/main" val="628134728"/>
+        <p14:creationId xmlns:p14="http://schemas.microsoft.com/office/powerpoint/2010/main" val="1697505484"/>
       </p:ext>
     </p:extLst>
   </p:cSld>
@@ -349,7 +349,7 @@
           <p:cNvPr id="2" name="标题 1">
             <a:extLst>
               <a:ext uri="{FF2B5EF4-FFF2-40B4-BE49-F238E27FC236}">
-                <a16:creationId xmlns:a16="http://schemas.microsoft.com/office/drawing/2014/main" id="{146CD488-0AC0-B1C7-AC78-DF6E7A1964D4}"/>
+                <a16:creationId xmlns:a16="http://schemas.microsoft.com/office/drawing/2014/main" id="{C11A27F9-7B3B-E5C9-7CED-77B2E62442D3}"/>
               </a:ext>
             </a:extLst>
           </p:cNvPr>
@@ -377,7 +377,7 @@
           <p:cNvPr id="3" name="竖排文字占位符 2">
             <a:extLst>
               <a:ext uri="{FF2B5EF4-FFF2-40B4-BE49-F238E27FC236}">
-                <a16:creationId xmlns:a16="http://schemas.microsoft.com/office/drawing/2014/main" id="{8FEBA526-7607-8DDE-0651-B2D8650083BC}"/>
+                <a16:creationId xmlns:a16="http://schemas.microsoft.com/office/drawing/2014/main" id="{B5AEC277-A8AE-535C-0A4F-E99CDB5E5EB6}"/>
               </a:ext>
             </a:extLst>
           </p:cNvPr>
@@ -434,7 +434,7 @@
           <p:cNvPr id="4" name="日期占位符 3">
             <a:extLst>
               <a:ext uri="{FF2B5EF4-FFF2-40B4-BE49-F238E27FC236}">
-                <a16:creationId xmlns:a16="http://schemas.microsoft.com/office/drawing/2014/main" id="{BBAB223C-7054-7DDA-C10E-B97F987BB61F}"/>
+                <a16:creationId xmlns:a16="http://schemas.microsoft.com/office/drawing/2014/main" id="{A3462567-1B38-3D3C-E565-7BD39A0E2CDA}"/>
               </a:ext>
             </a:extLst>
           </p:cNvPr>
@@ -450,7 +450,7 @@
           <a:bodyPr/>
           <a:lstStyle/>
           <a:p>
-            <a:fld id="{80822C14-ABFF-4175-83E2-BBCDBFE47FD9}" type="datetimeFigureOut">
+            <a:fld id="{34FCC433-E27C-46AC-B0C1-78917BA67FF7}" type="datetimeFigureOut">
               <a:rPr lang="zh-CN" altLang="en-US" smtClean="0"/>
               <a:t>2024/3/10</a:t>
             </a:fld>
@@ -463,7 +463,7 @@
           <p:cNvPr id="5" name="页脚占位符 4">
             <a:extLst>
               <a:ext uri="{FF2B5EF4-FFF2-40B4-BE49-F238E27FC236}">
-                <a16:creationId xmlns:a16="http://schemas.microsoft.com/office/drawing/2014/main" id="{DC9300B7-3AE9-44E0-FB89-18D15741227B}"/>
+                <a16:creationId xmlns:a16="http://schemas.microsoft.com/office/drawing/2014/main" id="{F724B96B-D80A-6D47-C47F-8751D757EA72}"/>
               </a:ext>
             </a:extLst>
           </p:cNvPr>
@@ -488,7 +488,7 @@
           <p:cNvPr id="6" name="灯片编号占位符 5">
             <a:extLst>
               <a:ext uri="{FF2B5EF4-FFF2-40B4-BE49-F238E27FC236}">
-                <a16:creationId xmlns:a16="http://schemas.microsoft.com/office/drawing/2014/main" id="{5C7D42E3-DB63-FDE5-685A-8CF90CE396F4}"/>
+                <a16:creationId xmlns:a16="http://schemas.microsoft.com/office/drawing/2014/main" id="{BF5DF08F-2DAE-C62E-CE5B-8D574E2BC78D}"/>
               </a:ext>
             </a:extLst>
           </p:cNvPr>
@@ -504,7 +504,7 @@
           <a:bodyPr/>
           <a:lstStyle/>
           <a:p>
-            <a:fld id="{24F9AF3C-49C8-4FB8-BCDA-2D6FA7D9D118}" type="slidenum">
+            <a:fld id="{CE4B31F5-EB2E-4BCD-9E9F-27F7A9393A29}" type="slidenum">
               <a:rPr lang="zh-CN" altLang="en-US" smtClean="0"/>
               <a:t>‹#›</a:t>
             </a:fld>
@@ -515,7 +515,7 @@
     </p:spTree>
     <p:extLst>
       <p:ext uri="{BB962C8B-B14F-4D97-AF65-F5344CB8AC3E}">
-        <p14:creationId xmlns:p14="http://schemas.microsoft.com/office/powerpoint/2010/main" val="1222313180"/>
+        <p14:creationId xmlns:p14="http://schemas.microsoft.com/office/powerpoint/2010/main" val="1331515854"/>
       </p:ext>
     </p:extLst>
   </p:cSld>
@@ -547,7 +547,7 @@
           <p:cNvPr id="2" name="竖排标题 1">
             <a:extLst>
               <a:ext uri="{FF2B5EF4-FFF2-40B4-BE49-F238E27FC236}">
-                <a16:creationId xmlns:a16="http://schemas.microsoft.com/office/drawing/2014/main" id="{19F3520B-63CB-6263-EB93-32C483287D8E}"/>
+                <a16:creationId xmlns:a16="http://schemas.microsoft.com/office/drawing/2014/main" id="{96355CFC-D133-84D7-08EC-AD2B1616E008}"/>
               </a:ext>
             </a:extLst>
           </p:cNvPr>
@@ -580,7 +580,7 @@
           <p:cNvPr id="3" name="竖排文字占位符 2">
             <a:extLst>
               <a:ext uri="{FF2B5EF4-FFF2-40B4-BE49-F238E27FC236}">
-                <a16:creationId xmlns:a16="http://schemas.microsoft.com/office/drawing/2014/main" id="{121EF589-0215-411D-B217-BB2552B41E83}"/>
+                <a16:creationId xmlns:a16="http://schemas.microsoft.com/office/drawing/2014/main" id="{508A809C-D22D-9A25-319F-4F1E014B5E32}"/>
               </a:ext>
             </a:extLst>
           </p:cNvPr>
@@ -642,7 +642,7 @@
           <p:cNvPr id="4" name="日期占位符 3">
             <a:extLst>
               <a:ext uri="{FF2B5EF4-FFF2-40B4-BE49-F238E27FC236}">
-                <a16:creationId xmlns:a16="http://schemas.microsoft.com/office/drawing/2014/main" id="{807B1C5A-F862-F3F2-A091-E3F4510D58D5}"/>
+                <a16:creationId xmlns:a16="http://schemas.microsoft.com/office/drawing/2014/main" id="{C882F4B6-545E-4F46-7BC6-1E413E762783}"/>
               </a:ext>
             </a:extLst>
           </p:cNvPr>
@@ -658,7 +658,7 @@
           <a:bodyPr/>
           <a:lstStyle/>
           <a:p>
-            <a:fld id="{80822C14-ABFF-4175-83E2-BBCDBFE47FD9}" type="datetimeFigureOut">
+            <a:fld id="{34FCC433-E27C-46AC-B0C1-78917BA67FF7}" type="datetimeFigureOut">
               <a:rPr lang="zh-CN" altLang="en-US" smtClean="0"/>
               <a:t>2024/3/10</a:t>
             </a:fld>
@@ -671,7 +671,7 @@
           <p:cNvPr id="5" name="页脚占位符 4">
             <a:extLst>
               <a:ext uri="{FF2B5EF4-FFF2-40B4-BE49-F238E27FC236}">
-                <a16:creationId xmlns:a16="http://schemas.microsoft.com/office/drawing/2014/main" id="{9680BE21-FEEC-8495-BFB4-7428B1F3FBD2}"/>
+                <a16:creationId xmlns:a16="http://schemas.microsoft.com/office/drawing/2014/main" id="{F5A99841-F49D-1739-B59A-9D104A5CA392}"/>
               </a:ext>
             </a:extLst>
           </p:cNvPr>
@@ -696,7 +696,7 @@
           <p:cNvPr id="6" name="灯片编号占位符 5">
             <a:extLst>
               <a:ext uri="{FF2B5EF4-FFF2-40B4-BE49-F238E27FC236}">
-                <a16:creationId xmlns:a16="http://schemas.microsoft.com/office/drawing/2014/main" id="{DBC365AF-74E8-698C-78A3-649658ED888D}"/>
+                <a16:creationId xmlns:a16="http://schemas.microsoft.com/office/drawing/2014/main" id="{37C24B71-99AF-265E-9EFB-BDBEC85B78EE}"/>
               </a:ext>
             </a:extLst>
           </p:cNvPr>
@@ -712,7 +712,7 @@
           <a:bodyPr/>
           <a:lstStyle/>
           <a:p>
-            <a:fld id="{24F9AF3C-49C8-4FB8-BCDA-2D6FA7D9D118}" type="slidenum">
+            <a:fld id="{CE4B31F5-EB2E-4BCD-9E9F-27F7A9393A29}" type="slidenum">
               <a:rPr lang="zh-CN" altLang="en-US" smtClean="0"/>
               <a:t>‹#›</a:t>
             </a:fld>
@@ -723,7 +723,7 @@
     </p:spTree>
     <p:extLst>
       <p:ext uri="{BB962C8B-B14F-4D97-AF65-F5344CB8AC3E}">
-        <p14:creationId xmlns:p14="http://schemas.microsoft.com/office/powerpoint/2010/main" val="3846076032"/>
+        <p14:creationId xmlns:p14="http://schemas.microsoft.com/office/powerpoint/2010/main" val="1341800956"/>
       </p:ext>
     </p:extLst>
   </p:cSld>
@@ -755,7 +755,7 @@
           <p:cNvPr id="2" name="标题 1">
             <a:extLst>
               <a:ext uri="{FF2B5EF4-FFF2-40B4-BE49-F238E27FC236}">
-                <a16:creationId xmlns:a16="http://schemas.microsoft.com/office/drawing/2014/main" id="{97869588-E57E-A736-B965-4038678F444F}"/>
+                <a16:creationId xmlns:a16="http://schemas.microsoft.com/office/drawing/2014/main" id="{FAAC0428-F18A-36A0-C8AB-AA21915C1A77}"/>
               </a:ext>
             </a:extLst>
           </p:cNvPr>
@@ -783,7 +783,7 @@
           <p:cNvPr id="3" name="内容占位符 2">
             <a:extLst>
               <a:ext uri="{FF2B5EF4-FFF2-40B4-BE49-F238E27FC236}">
-                <a16:creationId xmlns:a16="http://schemas.microsoft.com/office/drawing/2014/main" id="{4E8311A2-B65F-D7D9-97D4-B643D1DF9DA4}"/>
+                <a16:creationId xmlns:a16="http://schemas.microsoft.com/office/drawing/2014/main" id="{C5FDCA07-4729-0261-7E4E-05E5482D2121}"/>
               </a:ext>
             </a:extLst>
           </p:cNvPr>
@@ -840,7 +840,7 @@
           <p:cNvPr id="4" name="日期占位符 3">
             <a:extLst>
               <a:ext uri="{FF2B5EF4-FFF2-40B4-BE49-F238E27FC236}">
-                <a16:creationId xmlns:a16="http://schemas.microsoft.com/office/drawing/2014/main" id="{6E415DC4-8C94-33B3-62E7-E5ED241B587B}"/>
+                <a16:creationId xmlns:a16="http://schemas.microsoft.com/office/drawing/2014/main" id="{88F4E9FD-11DD-C839-3F66-4D730D0949AC}"/>
               </a:ext>
             </a:extLst>
           </p:cNvPr>
@@ -856,7 +856,7 @@
           <a:bodyPr/>
           <a:lstStyle/>
           <a:p>
-            <a:fld id="{80822C14-ABFF-4175-83E2-BBCDBFE47FD9}" type="datetimeFigureOut">
+            <a:fld id="{34FCC433-E27C-46AC-B0C1-78917BA67FF7}" type="datetimeFigureOut">
               <a:rPr lang="zh-CN" altLang="en-US" smtClean="0"/>
               <a:t>2024/3/10</a:t>
             </a:fld>
@@ -869,7 +869,7 @@
           <p:cNvPr id="5" name="页脚占位符 4">
             <a:extLst>
               <a:ext uri="{FF2B5EF4-FFF2-40B4-BE49-F238E27FC236}">
-                <a16:creationId xmlns:a16="http://schemas.microsoft.com/office/drawing/2014/main" id="{62203BB6-B12C-4D07-1489-BC8F9D44D558}"/>
+                <a16:creationId xmlns:a16="http://schemas.microsoft.com/office/drawing/2014/main" id="{DCE9ED05-4912-0DD6-B9C4-EA5ACA11BD90}"/>
               </a:ext>
             </a:extLst>
           </p:cNvPr>
@@ -894,7 +894,7 @@
           <p:cNvPr id="6" name="灯片编号占位符 5">
             <a:extLst>
               <a:ext uri="{FF2B5EF4-FFF2-40B4-BE49-F238E27FC236}">
-                <a16:creationId xmlns:a16="http://schemas.microsoft.com/office/drawing/2014/main" id="{83B4F21F-C985-ACFD-DCAC-E5ADD142C263}"/>
+                <a16:creationId xmlns:a16="http://schemas.microsoft.com/office/drawing/2014/main" id="{23042DEE-87BF-DF1A-8A22-3F4D2F879F3A}"/>
               </a:ext>
             </a:extLst>
           </p:cNvPr>
@@ -910,7 +910,7 @@
           <a:bodyPr/>
           <a:lstStyle/>
           <a:p>
-            <a:fld id="{24F9AF3C-49C8-4FB8-BCDA-2D6FA7D9D118}" type="slidenum">
+            <a:fld id="{CE4B31F5-EB2E-4BCD-9E9F-27F7A9393A29}" type="slidenum">
               <a:rPr lang="zh-CN" altLang="en-US" smtClean="0"/>
               <a:t>‹#›</a:t>
             </a:fld>
@@ -921,7 +921,7 @@
     </p:spTree>
     <p:extLst>
       <p:ext uri="{BB962C8B-B14F-4D97-AF65-F5344CB8AC3E}">
-        <p14:creationId xmlns:p14="http://schemas.microsoft.com/office/powerpoint/2010/main" val="1490922920"/>
+        <p14:creationId xmlns:p14="http://schemas.microsoft.com/office/powerpoint/2010/main" val="2501963729"/>
       </p:ext>
     </p:extLst>
   </p:cSld>
@@ -953,7 +953,7 @@
           <p:cNvPr id="2" name="标题 1">
             <a:extLst>
               <a:ext uri="{FF2B5EF4-FFF2-40B4-BE49-F238E27FC236}">
-                <a16:creationId xmlns:a16="http://schemas.microsoft.com/office/drawing/2014/main" id="{4CC4295F-3AF3-B168-7AA1-97A21E2674EB}"/>
+                <a16:creationId xmlns:a16="http://schemas.microsoft.com/office/drawing/2014/main" id="{CBE14D93-04CA-718D-8F44-4E39DA27143D}"/>
               </a:ext>
             </a:extLst>
           </p:cNvPr>
@@ -990,7 +990,7 @@
           <p:cNvPr id="3" name="文本占位符 2">
             <a:extLst>
               <a:ext uri="{FF2B5EF4-FFF2-40B4-BE49-F238E27FC236}">
-                <a16:creationId xmlns:a16="http://schemas.microsoft.com/office/drawing/2014/main" id="{48824098-E65A-E32D-5DB4-55BB52902D5F}"/>
+                <a16:creationId xmlns:a16="http://schemas.microsoft.com/office/drawing/2014/main" id="{B3FEA5F3-843C-62C0-3A9B-3D9088E2D9A0}"/>
               </a:ext>
             </a:extLst>
           </p:cNvPr>
@@ -1115,7 +1115,7 @@
           <p:cNvPr id="4" name="日期占位符 3">
             <a:extLst>
               <a:ext uri="{FF2B5EF4-FFF2-40B4-BE49-F238E27FC236}">
-                <a16:creationId xmlns:a16="http://schemas.microsoft.com/office/drawing/2014/main" id="{438E53C4-0A4B-8405-56CC-E8C5C465CA42}"/>
+                <a16:creationId xmlns:a16="http://schemas.microsoft.com/office/drawing/2014/main" id="{56A54B42-9B1C-3A97-D1E6-ED42A5614D1A}"/>
               </a:ext>
             </a:extLst>
           </p:cNvPr>
@@ -1131,7 +1131,7 @@
           <a:bodyPr/>
           <a:lstStyle/>
           <a:p>
-            <a:fld id="{80822C14-ABFF-4175-83E2-BBCDBFE47FD9}" type="datetimeFigureOut">
+            <a:fld id="{34FCC433-E27C-46AC-B0C1-78917BA67FF7}" type="datetimeFigureOut">
               <a:rPr lang="zh-CN" altLang="en-US" smtClean="0"/>
               <a:t>2024/3/10</a:t>
             </a:fld>
@@ -1144,7 +1144,7 @@
           <p:cNvPr id="5" name="页脚占位符 4">
             <a:extLst>
               <a:ext uri="{FF2B5EF4-FFF2-40B4-BE49-F238E27FC236}">
-                <a16:creationId xmlns:a16="http://schemas.microsoft.com/office/drawing/2014/main" id="{B6263D9C-1D81-3BDA-06E9-68A1C72F20B6}"/>
+                <a16:creationId xmlns:a16="http://schemas.microsoft.com/office/drawing/2014/main" id="{695C458E-C181-904F-161E-F611B271123A}"/>
               </a:ext>
             </a:extLst>
           </p:cNvPr>
@@ -1169,7 +1169,7 @@
           <p:cNvPr id="6" name="灯片编号占位符 5">
             <a:extLst>
               <a:ext uri="{FF2B5EF4-FFF2-40B4-BE49-F238E27FC236}">
-                <a16:creationId xmlns:a16="http://schemas.microsoft.com/office/drawing/2014/main" id="{3F644247-3A39-E99B-0934-6D9D32504EA3}"/>
+                <a16:creationId xmlns:a16="http://schemas.microsoft.com/office/drawing/2014/main" id="{7D0D2133-89B2-7A4D-D2D2-FA3755C3F35B}"/>
               </a:ext>
             </a:extLst>
           </p:cNvPr>
@@ -1185,7 +1185,7 @@
           <a:bodyPr/>
           <a:lstStyle/>
           <a:p>
-            <a:fld id="{24F9AF3C-49C8-4FB8-BCDA-2D6FA7D9D118}" type="slidenum">
+            <a:fld id="{CE4B31F5-EB2E-4BCD-9E9F-27F7A9393A29}" type="slidenum">
               <a:rPr lang="zh-CN" altLang="en-US" smtClean="0"/>
               <a:t>‹#›</a:t>
             </a:fld>
@@ -1196,7 +1196,7 @@
     </p:spTree>
     <p:extLst>
       <p:ext uri="{BB962C8B-B14F-4D97-AF65-F5344CB8AC3E}">
-        <p14:creationId xmlns:p14="http://schemas.microsoft.com/office/powerpoint/2010/main" val="3650253970"/>
+        <p14:creationId xmlns:p14="http://schemas.microsoft.com/office/powerpoint/2010/main" val="767556799"/>
       </p:ext>
     </p:extLst>
   </p:cSld>
@@ -1228,7 +1228,7 @@
           <p:cNvPr id="2" name="标题 1">
             <a:extLst>
               <a:ext uri="{FF2B5EF4-FFF2-40B4-BE49-F238E27FC236}">
-                <a16:creationId xmlns:a16="http://schemas.microsoft.com/office/drawing/2014/main" id="{775FF657-1424-E9E2-AE9A-32EB5C2F774E}"/>
+                <a16:creationId xmlns:a16="http://schemas.microsoft.com/office/drawing/2014/main" id="{EA406A85-2210-4E51-A8AF-25727ED37C9C}"/>
               </a:ext>
             </a:extLst>
           </p:cNvPr>
@@ -1256,7 +1256,7 @@
           <p:cNvPr id="3" name="内容占位符 2">
             <a:extLst>
               <a:ext uri="{FF2B5EF4-FFF2-40B4-BE49-F238E27FC236}">
-                <a16:creationId xmlns:a16="http://schemas.microsoft.com/office/drawing/2014/main" id="{AC9CDEED-E05E-DAE6-8B0B-E93E39C3B1FB}"/>
+                <a16:creationId xmlns:a16="http://schemas.microsoft.com/office/drawing/2014/main" id="{87214E39-C609-74CE-39FB-7A5A01A9D368}"/>
               </a:ext>
             </a:extLst>
           </p:cNvPr>
@@ -1318,7 +1318,7 @@
           <p:cNvPr id="4" name="内容占位符 3">
             <a:extLst>
               <a:ext uri="{FF2B5EF4-FFF2-40B4-BE49-F238E27FC236}">
-                <a16:creationId xmlns:a16="http://schemas.microsoft.com/office/drawing/2014/main" id="{391A9163-19A3-2114-F12C-05AAE2C7B518}"/>
+                <a16:creationId xmlns:a16="http://schemas.microsoft.com/office/drawing/2014/main" id="{C1E72926-0AA4-A40E-23B5-FFF49755B8BB}"/>
               </a:ext>
             </a:extLst>
           </p:cNvPr>
@@ -1380,7 +1380,7 @@
           <p:cNvPr id="5" name="日期占位符 4">
             <a:extLst>
               <a:ext uri="{FF2B5EF4-FFF2-40B4-BE49-F238E27FC236}">
-                <a16:creationId xmlns:a16="http://schemas.microsoft.com/office/drawing/2014/main" id="{FA30D9FB-7A18-4D84-C2AE-0C1E737CB335}"/>
+                <a16:creationId xmlns:a16="http://schemas.microsoft.com/office/drawing/2014/main" id="{C48CAE28-73D6-C2C4-B414-A418945196FA}"/>
               </a:ext>
             </a:extLst>
           </p:cNvPr>
@@ -1396,7 +1396,7 @@
           <a:bodyPr/>
           <a:lstStyle/>
           <a:p>
-            <a:fld id="{80822C14-ABFF-4175-83E2-BBCDBFE47FD9}" type="datetimeFigureOut">
+            <a:fld id="{34FCC433-E27C-46AC-B0C1-78917BA67FF7}" type="datetimeFigureOut">
               <a:rPr lang="zh-CN" altLang="en-US" smtClean="0"/>
               <a:t>2024/3/10</a:t>
             </a:fld>
@@ -1409,7 +1409,7 @@
           <p:cNvPr id="6" name="页脚占位符 5">
             <a:extLst>
               <a:ext uri="{FF2B5EF4-FFF2-40B4-BE49-F238E27FC236}">
-                <a16:creationId xmlns:a16="http://schemas.microsoft.com/office/drawing/2014/main" id="{B0B50FB3-C8DA-96AD-4BCE-36BC0ADFA192}"/>
+                <a16:creationId xmlns:a16="http://schemas.microsoft.com/office/drawing/2014/main" id="{9BC67D31-2975-276A-F632-29493403F4D2}"/>
               </a:ext>
             </a:extLst>
           </p:cNvPr>
@@ -1434,7 +1434,7 @@
           <p:cNvPr id="7" name="灯片编号占位符 6">
             <a:extLst>
               <a:ext uri="{FF2B5EF4-FFF2-40B4-BE49-F238E27FC236}">
-                <a16:creationId xmlns:a16="http://schemas.microsoft.com/office/drawing/2014/main" id="{A984E69E-A6E6-1059-ADF8-339A509F01D5}"/>
+                <a16:creationId xmlns:a16="http://schemas.microsoft.com/office/drawing/2014/main" id="{4A8A5FA3-5E76-1F29-D63B-BF81CCEE9DE9}"/>
               </a:ext>
             </a:extLst>
           </p:cNvPr>
@@ -1450,7 +1450,7 @@
           <a:bodyPr/>
           <a:lstStyle/>
           <a:p>
-            <a:fld id="{24F9AF3C-49C8-4FB8-BCDA-2D6FA7D9D118}" type="slidenum">
+            <a:fld id="{CE4B31F5-EB2E-4BCD-9E9F-27F7A9393A29}" type="slidenum">
               <a:rPr lang="zh-CN" altLang="en-US" smtClean="0"/>
               <a:t>‹#›</a:t>
             </a:fld>
@@ -1461,7 +1461,7 @@
     </p:spTree>
     <p:extLst>
       <p:ext uri="{BB962C8B-B14F-4D97-AF65-F5344CB8AC3E}">
-        <p14:creationId xmlns:p14="http://schemas.microsoft.com/office/powerpoint/2010/main" val="4196304485"/>
+        <p14:creationId xmlns:p14="http://schemas.microsoft.com/office/powerpoint/2010/main" val="503608984"/>
       </p:ext>
     </p:extLst>
   </p:cSld>
@@ -1493,7 +1493,7 @@
           <p:cNvPr id="2" name="标题 1">
             <a:extLst>
               <a:ext uri="{FF2B5EF4-FFF2-40B4-BE49-F238E27FC236}">
-                <a16:creationId xmlns:a16="http://schemas.microsoft.com/office/drawing/2014/main" id="{E3859000-DF35-B634-C3A7-DDADF0D01514}"/>
+                <a16:creationId xmlns:a16="http://schemas.microsoft.com/office/drawing/2014/main" id="{D6A06E9A-4BFD-019A-F97F-ADEC8BF5B23A}"/>
               </a:ext>
             </a:extLst>
           </p:cNvPr>
@@ -1526,7 +1526,7 @@
           <p:cNvPr id="3" name="文本占位符 2">
             <a:extLst>
               <a:ext uri="{FF2B5EF4-FFF2-40B4-BE49-F238E27FC236}">
-                <a16:creationId xmlns:a16="http://schemas.microsoft.com/office/drawing/2014/main" id="{6BFB35BC-6E96-0798-FEE9-6C76CC534BEA}"/>
+                <a16:creationId xmlns:a16="http://schemas.microsoft.com/office/drawing/2014/main" id="{0F6D065D-FCCB-930F-8967-F46C95B4624C}"/>
               </a:ext>
             </a:extLst>
           </p:cNvPr>
@@ -1597,7 +1597,7 @@
           <p:cNvPr id="4" name="内容占位符 3">
             <a:extLst>
               <a:ext uri="{FF2B5EF4-FFF2-40B4-BE49-F238E27FC236}">
-                <a16:creationId xmlns:a16="http://schemas.microsoft.com/office/drawing/2014/main" id="{0F23C131-A50D-26B5-5897-7808E2336746}"/>
+                <a16:creationId xmlns:a16="http://schemas.microsoft.com/office/drawing/2014/main" id="{9DA7CBFD-E231-339E-5121-6CF193EFC431}"/>
               </a:ext>
             </a:extLst>
           </p:cNvPr>
@@ -1659,7 +1659,7 @@
           <p:cNvPr id="5" name="文本占位符 4">
             <a:extLst>
               <a:ext uri="{FF2B5EF4-FFF2-40B4-BE49-F238E27FC236}">
-                <a16:creationId xmlns:a16="http://schemas.microsoft.com/office/drawing/2014/main" id="{0EBD895D-4C86-0831-A1CD-5F0466703D74}"/>
+                <a16:creationId xmlns:a16="http://schemas.microsoft.com/office/drawing/2014/main" id="{BC3CB099-4361-26AD-4115-BBF732ABC708}"/>
               </a:ext>
             </a:extLst>
           </p:cNvPr>
@@ -1730,7 +1730,7 @@
           <p:cNvPr id="6" name="内容占位符 5">
             <a:extLst>
               <a:ext uri="{FF2B5EF4-FFF2-40B4-BE49-F238E27FC236}">
-                <a16:creationId xmlns:a16="http://schemas.microsoft.com/office/drawing/2014/main" id="{E0368CAD-D961-CD2C-73D9-E1A10A88A222}"/>
+                <a16:creationId xmlns:a16="http://schemas.microsoft.com/office/drawing/2014/main" id="{059EAF7C-2326-8A24-5110-9424111FDA3E}"/>
               </a:ext>
             </a:extLst>
           </p:cNvPr>
@@ -1792,7 +1792,7 @@
           <p:cNvPr id="7" name="日期占位符 6">
             <a:extLst>
               <a:ext uri="{FF2B5EF4-FFF2-40B4-BE49-F238E27FC236}">
-                <a16:creationId xmlns:a16="http://schemas.microsoft.com/office/drawing/2014/main" id="{1BA25EF8-D441-4C27-8C87-A8853CA56E9C}"/>
+                <a16:creationId xmlns:a16="http://schemas.microsoft.com/office/drawing/2014/main" id="{ACD7B694-8C42-A2B6-4A5C-716A9790D99F}"/>
               </a:ext>
             </a:extLst>
           </p:cNvPr>
@@ -1808,7 +1808,7 @@
           <a:bodyPr/>
           <a:lstStyle/>
           <a:p>
-            <a:fld id="{80822C14-ABFF-4175-83E2-BBCDBFE47FD9}" type="datetimeFigureOut">
+            <a:fld id="{34FCC433-E27C-46AC-B0C1-78917BA67FF7}" type="datetimeFigureOut">
               <a:rPr lang="zh-CN" altLang="en-US" smtClean="0"/>
               <a:t>2024/3/10</a:t>
             </a:fld>
@@ -1821,7 +1821,7 @@
           <p:cNvPr id="8" name="页脚占位符 7">
             <a:extLst>
               <a:ext uri="{FF2B5EF4-FFF2-40B4-BE49-F238E27FC236}">
-                <a16:creationId xmlns:a16="http://schemas.microsoft.com/office/drawing/2014/main" id="{7B8F0250-4667-B7CF-A65C-700BCF44D2E9}"/>
+                <a16:creationId xmlns:a16="http://schemas.microsoft.com/office/drawing/2014/main" id="{6AEB97A0-F07E-1DDC-D690-555510F5F8BF}"/>
               </a:ext>
             </a:extLst>
           </p:cNvPr>
@@ -1846,7 +1846,7 @@
           <p:cNvPr id="9" name="灯片编号占位符 8">
             <a:extLst>
               <a:ext uri="{FF2B5EF4-FFF2-40B4-BE49-F238E27FC236}">
-                <a16:creationId xmlns:a16="http://schemas.microsoft.com/office/drawing/2014/main" id="{51FBAB02-ADB1-FD3C-D922-E212E77F94ED}"/>
+                <a16:creationId xmlns:a16="http://schemas.microsoft.com/office/drawing/2014/main" id="{03EB2DA2-04F7-82AC-F612-3D998116AD66}"/>
               </a:ext>
             </a:extLst>
           </p:cNvPr>
@@ -1862,7 +1862,7 @@
           <a:bodyPr/>
           <a:lstStyle/>
           <a:p>
-            <a:fld id="{24F9AF3C-49C8-4FB8-BCDA-2D6FA7D9D118}" type="slidenum">
+            <a:fld id="{CE4B31F5-EB2E-4BCD-9E9F-27F7A9393A29}" type="slidenum">
               <a:rPr lang="zh-CN" altLang="en-US" smtClean="0"/>
               <a:t>‹#›</a:t>
             </a:fld>
@@ -1873,7 +1873,7 @@
     </p:spTree>
     <p:extLst>
       <p:ext uri="{BB962C8B-B14F-4D97-AF65-F5344CB8AC3E}">
-        <p14:creationId xmlns:p14="http://schemas.microsoft.com/office/powerpoint/2010/main" val="3071880912"/>
+        <p14:creationId xmlns:p14="http://schemas.microsoft.com/office/powerpoint/2010/main" val="2221191119"/>
       </p:ext>
     </p:extLst>
   </p:cSld>
@@ -1905,7 +1905,7 @@
           <p:cNvPr id="2" name="标题 1">
             <a:extLst>
               <a:ext uri="{FF2B5EF4-FFF2-40B4-BE49-F238E27FC236}">
-                <a16:creationId xmlns:a16="http://schemas.microsoft.com/office/drawing/2014/main" id="{197ADA29-D0F4-39AC-74D9-BC91263549EC}"/>
+                <a16:creationId xmlns:a16="http://schemas.microsoft.com/office/drawing/2014/main" id="{CDD293A0-0783-65A7-F488-384197AC49B7}"/>
               </a:ext>
             </a:extLst>
           </p:cNvPr>
@@ -1933,7 +1933,7 @@
           <p:cNvPr id="3" name="日期占位符 2">
             <a:extLst>
               <a:ext uri="{FF2B5EF4-FFF2-40B4-BE49-F238E27FC236}">
-                <a16:creationId xmlns:a16="http://schemas.microsoft.com/office/drawing/2014/main" id="{C661983C-3773-F4F7-7183-85F053F14936}"/>
+                <a16:creationId xmlns:a16="http://schemas.microsoft.com/office/drawing/2014/main" id="{CACE59A0-86AF-85F1-A25E-4A40C060224C}"/>
               </a:ext>
             </a:extLst>
           </p:cNvPr>
@@ -1949,7 +1949,7 @@
           <a:bodyPr/>
           <a:lstStyle/>
           <a:p>
-            <a:fld id="{80822C14-ABFF-4175-83E2-BBCDBFE47FD9}" type="datetimeFigureOut">
+            <a:fld id="{34FCC433-E27C-46AC-B0C1-78917BA67FF7}" type="datetimeFigureOut">
               <a:rPr lang="zh-CN" altLang="en-US" smtClean="0"/>
               <a:t>2024/3/10</a:t>
             </a:fld>
@@ -1962,7 +1962,7 @@
           <p:cNvPr id="4" name="页脚占位符 3">
             <a:extLst>
               <a:ext uri="{FF2B5EF4-FFF2-40B4-BE49-F238E27FC236}">
-                <a16:creationId xmlns:a16="http://schemas.microsoft.com/office/drawing/2014/main" id="{00D1B593-7CD9-ABBE-1AA5-BA3FBD5E280F}"/>
+                <a16:creationId xmlns:a16="http://schemas.microsoft.com/office/drawing/2014/main" id="{18CE7407-0025-552B-41DF-2945F06DF646}"/>
               </a:ext>
             </a:extLst>
           </p:cNvPr>
@@ -1987,7 +1987,7 @@
           <p:cNvPr id="5" name="灯片编号占位符 4">
             <a:extLst>
               <a:ext uri="{FF2B5EF4-FFF2-40B4-BE49-F238E27FC236}">
-                <a16:creationId xmlns:a16="http://schemas.microsoft.com/office/drawing/2014/main" id="{0E6D5952-CBA3-102E-ABD0-09D40C10A82E}"/>
+                <a16:creationId xmlns:a16="http://schemas.microsoft.com/office/drawing/2014/main" id="{B8937D16-5772-BD7E-BCE6-ED0E0500F3C1}"/>
               </a:ext>
             </a:extLst>
           </p:cNvPr>
@@ -2003,7 +2003,7 @@
           <a:bodyPr/>
           <a:lstStyle/>
           <a:p>
-            <a:fld id="{24F9AF3C-49C8-4FB8-BCDA-2D6FA7D9D118}" type="slidenum">
+            <a:fld id="{CE4B31F5-EB2E-4BCD-9E9F-27F7A9393A29}" type="slidenum">
               <a:rPr lang="zh-CN" altLang="en-US" smtClean="0"/>
               <a:t>‹#›</a:t>
             </a:fld>
@@ -2014,7 +2014,7 @@
     </p:spTree>
     <p:extLst>
       <p:ext uri="{BB962C8B-B14F-4D97-AF65-F5344CB8AC3E}">
-        <p14:creationId xmlns:p14="http://schemas.microsoft.com/office/powerpoint/2010/main" val="3149250942"/>
+        <p14:creationId xmlns:p14="http://schemas.microsoft.com/office/powerpoint/2010/main" val="1305670338"/>
       </p:ext>
     </p:extLst>
   </p:cSld>
@@ -2046,7 +2046,7 @@
           <p:cNvPr id="2" name="日期占位符 1">
             <a:extLst>
               <a:ext uri="{FF2B5EF4-FFF2-40B4-BE49-F238E27FC236}">
-                <a16:creationId xmlns:a16="http://schemas.microsoft.com/office/drawing/2014/main" id="{2A7BF9CC-14A5-B010-7C35-6FB05DED5F81}"/>
+                <a16:creationId xmlns:a16="http://schemas.microsoft.com/office/drawing/2014/main" id="{154925DB-9283-9148-C878-A7B4E815F637}"/>
               </a:ext>
             </a:extLst>
           </p:cNvPr>
@@ -2062,7 +2062,7 @@
           <a:bodyPr/>
           <a:lstStyle/>
           <a:p>
-            <a:fld id="{80822C14-ABFF-4175-83E2-BBCDBFE47FD9}" type="datetimeFigureOut">
+            <a:fld id="{34FCC433-E27C-46AC-B0C1-78917BA67FF7}" type="datetimeFigureOut">
               <a:rPr lang="zh-CN" altLang="en-US" smtClean="0"/>
               <a:t>2024/3/10</a:t>
             </a:fld>
@@ -2075,7 +2075,7 @@
           <p:cNvPr id="3" name="页脚占位符 2">
             <a:extLst>
               <a:ext uri="{FF2B5EF4-FFF2-40B4-BE49-F238E27FC236}">
-                <a16:creationId xmlns:a16="http://schemas.microsoft.com/office/drawing/2014/main" id="{633A5DBA-9946-A9AF-3C17-96B64425330C}"/>
+                <a16:creationId xmlns:a16="http://schemas.microsoft.com/office/drawing/2014/main" id="{0804B03E-8172-0F7D-32A1-F2F96321E7D8}"/>
               </a:ext>
             </a:extLst>
           </p:cNvPr>
@@ -2100,7 +2100,7 @@
           <p:cNvPr id="4" name="灯片编号占位符 3">
             <a:extLst>
               <a:ext uri="{FF2B5EF4-FFF2-40B4-BE49-F238E27FC236}">
-                <a16:creationId xmlns:a16="http://schemas.microsoft.com/office/drawing/2014/main" id="{D2D08559-A509-9F51-D324-12FE6E56435C}"/>
+                <a16:creationId xmlns:a16="http://schemas.microsoft.com/office/drawing/2014/main" id="{357C3C8B-7226-E25B-0064-E3C474CDF0AF}"/>
               </a:ext>
             </a:extLst>
           </p:cNvPr>
@@ -2116,7 +2116,7 @@
           <a:bodyPr/>
           <a:lstStyle/>
           <a:p>
-            <a:fld id="{24F9AF3C-49C8-4FB8-BCDA-2D6FA7D9D118}" type="slidenum">
+            <a:fld id="{CE4B31F5-EB2E-4BCD-9E9F-27F7A9393A29}" type="slidenum">
               <a:rPr lang="zh-CN" altLang="en-US" smtClean="0"/>
               <a:t>‹#›</a:t>
             </a:fld>
@@ -2127,7 +2127,7 @@
     </p:spTree>
     <p:extLst>
       <p:ext uri="{BB962C8B-B14F-4D97-AF65-F5344CB8AC3E}">
-        <p14:creationId xmlns:p14="http://schemas.microsoft.com/office/powerpoint/2010/main" val="1426380253"/>
+        <p14:creationId xmlns:p14="http://schemas.microsoft.com/office/powerpoint/2010/main" val="376031981"/>
       </p:ext>
     </p:extLst>
   </p:cSld>
@@ -2159,7 +2159,7 @@
           <p:cNvPr id="2" name="标题 1">
             <a:extLst>
               <a:ext uri="{FF2B5EF4-FFF2-40B4-BE49-F238E27FC236}">
-                <a16:creationId xmlns:a16="http://schemas.microsoft.com/office/drawing/2014/main" id="{0467F895-0989-54AA-D323-626DBF442462}"/>
+                <a16:creationId xmlns:a16="http://schemas.microsoft.com/office/drawing/2014/main" id="{E8EEEB48-99C9-5619-8006-82B1DC7521EA}"/>
               </a:ext>
             </a:extLst>
           </p:cNvPr>
@@ -2196,7 +2196,7 @@
           <p:cNvPr id="3" name="内容占位符 2">
             <a:extLst>
               <a:ext uri="{FF2B5EF4-FFF2-40B4-BE49-F238E27FC236}">
-                <a16:creationId xmlns:a16="http://schemas.microsoft.com/office/drawing/2014/main" id="{57DB086C-0645-63CE-D1D7-19D1217780A0}"/>
+                <a16:creationId xmlns:a16="http://schemas.microsoft.com/office/drawing/2014/main" id="{8A5FEE58-AB45-45F0-1886-E34F52DC6962}"/>
               </a:ext>
             </a:extLst>
           </p:cNvPr>
@@ -2286,7 +2286,7 @@
           <p:cNvPr id="4" name="文本占位符 3">
             <a:extLst>
               <a:ext uri="{FF2B5EF4-FFF2-40B4-BE49-F238E27FC236}">
-                <a16:creationId xmlns:a16="http://schemas.microsoft.com/office/drawing/2014/main" id="{92DA2359-7B68-63AC-E8FD-CBA0F15BBFEC}"/>
+                <a16:creationId xmlns:a16="http://schemas.microsoft.com/office/drawing/2014/main" id="{9EA14047-F6BC-A77A-C339-D7B6556827DD}"/>
               </a:ext>
             </a:extLst>
           </p:cNvPr>
@@ -2357,7 +2357,7 @@
           <p:cNvPr id="5" name="日期占位符 4">
             <a:extLst>
               <a:ext uri="{FF2B5EF4-FFF2-40B4-BE49-F238E27FC236}">
-                <a16:creationId xmlns:a16="http://schemas.microsoft.com/office/drawing/2014/main" id="{E8B1742A-88C9-756B-D357-F6581A556DAB}"/>
+                <a16:creationId xmlns:a16="http://schemas.microsoft.com/office/drawing/2014/main" id="{18378969-2B46-8739-B94C-5AFC5E2A65A0}"/>
               </a:ext>
             </a:extLst>
           </p:cNvPr>
@@ -2373,7 +2373,7 @@
           <a:bodyPr/>
           <a:lstStyle/>
           <a:p>
-            <a:fld id="{80822C14-ABFF-4175-83E2-BBCDBFE47FD9}" type="datetimeFigureOut">
+            <a:fld id="{34FCC433-E27C-46AC-B0C1-78917BA67FF7}" type="datetimeFigureOut">
               <a:rPr lang="zh-CN" altLang="en-US" smtClean="0"/>
               <a:t>2024/3/10</a:t>
             </a:fld>
@@ -2386,7 +2386,7 @@
           <p:cNvPr id="6" name="页脚占位符 5">
             <a:extLst>
               <a:ext uri="{FF2B5EF4-FFF2-40B4-BE49-F238E27FC236}">
-                <a16:creationId xmlns:a16="http://schemas.microsoft.com/office/drawing/2014/main" id="{79F7CD85-1A90-D307-6583-581D1210AFAE}"/>
+                <a16:creationId xmlns:a16="http://schemas.microsoft.com/office/drawing/2014/main" id="{7ABDEDB5-18B5-8F99-386D-9D69E3307BDF}"/>
               </a:ext>
             </a:extLst>
           </p:cNvPr>
@@ -2411,7 +2411,7 @@
           <p:cNvPr id="7" name="灯片编号占位符 6">
             <a:extLst>
               <a:ext uri="{FF2B5EF4-FFF2-40B4-BE49-F238E27FC236}">
-                <a16:creationId xmlns:a16="http://schemas.microsoft.com/office/drawing/2014/main" id="{96EC2517-9E83-C023-131D-E57AE6700653}"/>
+                <a16:creationId xmlns:a16="http://schemas.microsoft.com/office/drawing/2014/main" id="{1C4B8BDA-7870-2FE6-82B2-2E48B244DCDC}"/>
               </a:ext>
             </a:extLst>
           </p:cNvPr>
@@ -2427,7 +2427,7 @@
           <a:bodyPr/>
           <a:lstStyle/>
           <a:p>
-            <a:fld id="{24F9AF3C-49C8-4FB8-BCDA-2D6FA7D9D118}" type="slidenum">
+            <a:fld id="{CE4B31F5-EB2E-4BCD-9E9F-27F7A9393A29}" type="slidenum">
               <a:rPr lang="zh-CN" altLang="en-US" smtClean="0"/>
               <a:t>‹#›</a:t>
             </a:fld>
@@ -2438,7 +2438,7 @@
     </p:spTree>
     <p:extLst>
       <p:ext uri="{BB962C8B-B14F-4D97-AF65-F5344CB8AC3E}">
-        <p14:creationId xmlns:p14="http://schemas.microsoft.com/office/powerpoint/2010/main" val="2006945960"/>
+        <p14:creationId xmlns:p14="http://schemas.microsoft.com/office/powerpoint/2010/main" val="3921555293"/>
       </p:ext>
     </p:extLst>
   </p:cSld>
@@ -2470,7 +2470,7 @@
           <p:cNvPr id="2" name="标题 1">
             <a:extLst>
               <a:ext uri="{FF2B5EF4-FFF2-40B4-BE49-F238E27FC236}">
-                <a16:creationId xmlns:a16="http://schemas.microsoft.com/office/drawing/2014/main" id="{0874572E-A4F1-8387-2D17-AC2C725CC95F}"/>
+                <a16:creationId xmlns:a16="http://schemas.microsoft.com/office/drawing/2014/main" id="{67421421-73F9-3E03-5FA2-930A35AF212E}"/>
               </a:ext>
             </a:extLst>
           </p:cNvPr>
@@ -2507,7 +2507,7 @@
           <p:cNvPr id="3" name="图片占位符 2">
             <a:extLst>
               <a:ext uri="{FF2B5EF4-FFF2-40B4-BE49-F238E27FC236}">
-                <a16:creationId xmlns:a16="http://schemas.microsoft.com/office/drawing/2014/main" id="{ABBE1F54-8E87-FB18-0217-42B0ECF5D090}"/>
+                <a16:creationId xmlns:a16="http://schemas.microsoft.com/office/drawing/2014/main" id="{4F8C8EB3-7919-82A0-C46B-D006DC1F8AB4}"/>
               </a:ext>
             </a:extLst>
           </p:cNvPr>
@@ -2574,7 +2574,7 @@
           <p:cNvPr id="4" name="文本占位符 3">
             <a:extLst>
               <a:ext uri="{FF2B5EF4-FFF2-40B4-BE49-F238E27FC236}">
-                <a16:creationId xmlns:a16="http://schemas.microsoft.com/office/drawing/2014/main" id="{EC8A8EBB-99BF-B92F-CFC1-AD43D9CDFF04}"/>
+                <a16:creationId xmlns:a16="http://schemas.microsoft.com/office/drawing/2014/main" id="{B8EFD0FE-D395-0438-0E27-A65C1E20E5DD}"/>
               </a:ext>
             </a:extLst>
           </p:cNvPr>
@@ -2645,7 +2645,7 @@
           <p:cNvPr id="5" name="日期占位符 4">
             <a:extLst>
               <a:ext uri="{FF2B5EF4-FFF2-40B4-BE49-F238E27FC236}">
-                <a16:creationId xmlns:a16="http://schemas.microsoft.com/office/drawing/2014/main" id="{19DA95B5-9C2F-1674-67E4-6E255A96753F}"/>
+                <a16:creationId xmlns:a16="http://schemas.microsoft.com/office/drawing/2014/main" id="{F068E23C-E1D7-D26A-4595-AB02D4E48FC2}"/>
               </a:ext>
             </a:extLst>
           </p:cNvPr>
@@ -2661,7 +2661,7 @@
           <a:bodyPr/>
           <a:lstStyle/>
           <a:p>
-            <a:fld id="{80822C14-ABFF-4175-83E2-BBCDBFE47FD9}" type="datetimeFigureOut">
+            <a:fld id="{34FCC433-E27C-46AC-B0C1-78917BA67FF7}" type="datetimeFigureOut">
               <a:rPr lang="zh-CN" altLang="en-US" smtClean="0"/>
               <a:t>2024/3/10</a:t>
             </a:fld>
@@ -2674,7 +2674,7 @@
           <p:cNvPr id="6" name="页脚占位符 5">
             <a:extLst>
               <a:ext uri="{FF2B5EF4-FFF2-40B4-BE49-F238E27FC236}">
-                <a16:creationId xmlns:a16="http://schemas.microsoft.com/office/drawing/2014/main" id="{6A3EFCA5-5A8A-0A34-0204-82922030E40E}"/>
+                <a16:creationId xmlns:a16="http://schemas.microsoft.com/office/drawing/2014/main" id="{BF31718D-FF0A-1DD7-5077-02A133A0B8A3}"/>
               </a:ext>
             </a:extLst>
           </p:cNvPr>
@@ -2699,7 +2699,7 @@
           <p:cNvPr id="7" name="灯片编号占位符 6">
             <a:extLst>
               <a:ext uri="{FF2B5EF4-FFF2-40B4-BE49-F238E27FC236}">
-                <a16:creationId xmlns:a16="http://schemas.microsoft.com/office/drawing/2014/main" id="{303836AF-91A5-933D-3C2A-B859140522CB}"/>
+                <a16:creationId xmlns:a16="http://schemas.microsoft.com/office/drawing/2014/main" id="{2ECF1A1C-6E6D-A5BA-1D62-E2520869EAF3}"/>
               </a:ext>
             </a:extLst>
           </p:cNvPr>
@@ -2715,7 +2715,7 @@
           <a:bodyPr/>
           <a:lstStyle/>
           <a:p>
-            <a:fld id="{24F9AF3C-49C8-4FB8-BCDA-2D6FA7D9D118}" type="slidenum">
+            <a:fld id="{CE4B31F5-EB2E-4BCD-9E9F-27F7A9393A29}" type="slidenum">
               <a:rPr lang="zh-CN" altLang="en-US" smtClean="0"/>
               <a:t>‹#›</a:t>
             </a:fld>
@@ -2726,7 +2726,7 @@
     </p:spTree>
     <p:extLst>
       <p:ext uri="{BB962C8B-B14F-4D97-AF65-F5344CB8AC3E}">
-        <p14:creationId xmlns:p14="http://schemas.microsoft.com/office/powerpoint/2010/main" val="506390446"/>
+        <p14:creationId xmlns:p14="http://schemas.microsoft.com/office/powerpoint/2010/main" val="1857998747"/>
       </p:ext>
     </p:extLst>
   </p:cSld>
@@ -2763,7 +2763,7 @@
           <p:cNvPr id="2" name="标题占位符 1">
             <a:extLst>
               <a:ext uri="{FF2B5EF4-FFF2-40B4-BE49-F238E27FC236}">
-                <a16:creationId xmlns:a16="http://schemas.microsoft.com/office/drawing/2014/main" id="{5D55C7E9-A8A8-65A7-5FB4-FAAF89E7D5DE}"/>
+                <a16:creationId xmlns:a16="http://schemas.microsoft.com/office/drawing/2014/main" id="{2AB2BE18-1AB1-EAD1-154B-2279A418FB35}"/>
               </a:ext>
             </a:extLst>
           </p:cNvPr>
@@ -2801,7 +2801,7 @@
           <p:cNvPr id="3" name="文本占位符 2">
             <a:extLst>
               <a:ext uri="{FF2B5EF4-FFF2-40B4-BE49-F238E27FC236}">
-                <a16:creationId xmlns:a16="http://schemas.microsoft.com/office/drawing/2014/main" id="{7F93A4E1-3FC1-CB70-4E16-3CCC0D965112}"/>
+                <a16:creationId xmlns:a16="http://schemas.microsoft.com/office/drawing/2014/main" id="{CCD16CBF-430B-E2CE-F904-0B8DFCDA9A15}"/>
               </a:ext>
             </a:extLst>
           </p:cNvPr>
@@ -2868,7 +2868,7 @@
           <p:cNvPr id="4" name="日期占位符 3">
             <a:extLst>
               <a:ext uri="{FF2B5EF4-FFF2-40B4-BE49-F238E27FC236}">
-                <a16:creationId xmlns:a16="http://schemas.microsoft.com/office/drawing/2014/main" id="{4F01224B-A675-ABF8-1362-19AA32905799}"/>
+                <a16:creationId xmlns:a16="http://schemas.microsoft.com/office/drawing/2014/main" id="{B0866F4E-D244-AD8E-1FF9-83B889172D9F}"/>
               </a:ext>
             </a:extLst>
           </p:cNvPr>
@@ -2902,7 +2902,7 @@
             </a:lvl1pPr>
           </a:lstStyle>
           <a:p>
-            <a:fld id="{80822C14-ABFF-4175-83E2-BBCDBFE47FD9}" type="datetimeFigureOut">
+            <a:fld id="{34FCC433-E27C-46AC-B0C1-78917BA67FF7}" type="datetimeFigureOut">
               <a:rPr lang="zh-CN" altLang="en-US" smtClean="0"/>
               <a:t>2024/3/10</a:t>
             </a:fld>
@@ -2915,7 +2915,7 @@
           <p:cNvPr id="5" name="页脚占位符 4">
             <a:extLst>
               <a:ext uri="{FF2B5EF4-FFF2-40B4-BE49-F238E27FC236}">
-                <a16:creationId xmlns:a16="http://schemas.microsoft.com/office/drawing/2014/main" id="{E8071AA6-220B-A01C-C595-12751C7A4CE2}"/>
+                <a16:creationId xmlns:a16="http://schemas.microsoft.com/office/drawing/2014/main" id="{AECB7B20-7FEF-8DE7-6BA0-B5CDD2A3EF33}"/>
               </a:ext>
             </a:extLst>
           </p:cNvPr>
@@ -2958,7 +2958,7 @@
           <p:cNvPr id="6" name="灯片编号占位符 5">
             <a:extLst>
               <a:ext uri="{FF2B5EF4-FFF2-40B4-BE49-F238E27FC236}">
-                <a16:creationId xmlns:a16="http://schemas.microsoft.com/office/drawing/2014/main" id="{44722BF2-F88A-7360-8C1C-1927A194AA7F}"/>
+                <a16:creationId xmlns:a16="http://schemas.microsoft.com/office/drawing/2014/main" id="{8A308FB4-1029-7D4B-C01E-168748AF3677}"/>
               </a:ext>
             </a:extLst>
           </p:cNvPr>
@@ -2992,7 +2992,7 @@
             </a:lvl1pPr>
           </a:lstStyle>
           <a:p>
-            <a:fld id="{24F9AF3C-49C8-4FB8-BCDA-2D6FA7D9D118}" type="slidenum">
+            <a:fld id="{CE4B31F5-EB2E-4BCD-9E9F-27F7A9393A29}" type="slidenum">
               <a:rPr lang="zh-CN" altLang="en-US" smtClean="0"/>
               <a:t>‹#›</a:t>
             </a:fld>
@@ -3003,7 +3003,7 @@
     </p:spTree>
     <p:extLst>
       <p:ext uri="{BB962C8B-B14F-4D97-AF65-F5344CB8AC3E}">
-        <p14:creationId xmlns:p14="http://schemas.microsoft.com/office/powerpoint/2010/main" val="1564438510"/>
+        <p14:creationId xmlns:p14="http://schemas.microsoft.com/office/powerpoint/2010/main" val="472133046"/>
       </p:ext>
     </p:extLst>
   </p:cSld>
@@ -3323,7 +3323,7 @@
       </p:grpSpPr>
       <p:pic>
         <p:nvPicPr>
-          <p:cNvPr id="877570" name="Picture 2" descr="856"/>
+          <p:cNvPr id="878594" name="Picture 2" descr="857"/>
           <p:cNvPicPr>
             <a:picLocks noChangeAspect="1" noChangeArrowheads="1"/>
           </p:cNvPicPr>
